--- a/IIR/Video/Bedah Journal.pptx
+++ b/IIR/Video/Bedah Journal.pptx
@@ -116,6 +116,11 @@
       </a:defRPr>
     </a:lvl9pPr>
   </p:defaultTextStyle>
+  <p:extLst>
+    <p:ext uri="{EFAFB233-063F-42B5-8137-9DF3F51BA10A}">
+      <p15:sldGuideLst xmlns:p15="http://schemas.microsoft.com/office/powerpoint/2012/main"/>
+    </p:ext>
+  </p:extLst>
 </p:presentation>
 </file>
 
@@ -3669,6 +3674,13 @@
         </dgm:presLayoutVars>
       </dgm:prSet>
       <dgm:spPr/>
+      <dgm:t>
+        <a:bodyPr/>
+        <a:lstStyle/>
+        <a:p>
+          <a:endParaRPr lang="en-US"/>
+        </a:p>
+      </dgm:t>
     </dgm:pt>
     <dgm:pt modelId="{3C4DDB0E-5C02-4E48-AA2E-447B80E40FAA}" type="pres">
       <dgm:prSet presAssocID="{ECA2FD51-7FE8-4BE0-8433-46CBDF243CD8}" presName="parentText" presStyleLbl="node1" presStyleIdx="0" presStyleCnt="3">
@@ -3755,16 +3767,23 @@
         </dgm:presLayoutVars>
       </dgm:prSet>
       <dgm:spPr/>
+      <dgm:t>
+        <a:bodyPr/>
+        <a:lstStyle/>
+        <a:p>
+          <a:endParaRPr lang="en-US"/>
+        </a:p>
+      </dgm:t>
     </dgm:pt>
   </dgm:ptLst>
   <dgm:cxnLst>
+    <dgm:cxn modelId="{0CDD3487-28A2-4826-A641-1DBB0B5F92F5}" srcId="{ECA2FD51-7FE8-4BE0-8433-46CBDF243CD8}" destId="{2EFCE5A3-8204-4F15-A26E-9646CEF742CC}" srcOrd="0" destOrd="0" parTransId="{1D17F51C-1A4B-4B20-82A1-B36F31417DF2}" sibTransId="{84C87099-B5A7-47F4-A4A2-B7B25D12B5C0}"/>
     <dgm:cxn modelId="{BBFB3E91-2CB7-4E6B-ADF6-C9A8EB8ED903}" srcId="{5A25F9B1-8013-40E6-B86C-8B1A27EC78F7}" destId="{7B373090-CDC3-4844-B3FF-AD9E7C3E0E8D}" srcOrd="1" destOrd="0" parTransId="{74B8DE67-B50D-47D1-BD98-9F4B4C105269}" sibTransId="{85E4CDA0-6A91-48A2-B1F5-C759C7F2A7A9}"/>
     <dgm:cxn modelId="{FE65A519-C0E4-4D6B-B619-2C45B91B8C50}" srcId="{C2AE18A3-D8E7-4693-A3F1-E969700486B0}" destId="{5A25F9B1-8013-40E6-B86C-8B1A27EC78F7}" srcOrd="1" destOrd="0" parTransId="{66E3A614-318F-4D20-8833-3A0ED38969D6}" sibTransId="{5379A7DA-08B7-4046-979A-514AA78D35C9}"/>
-    <dgm:cxn modelId="{0CDD3487-28A2-4826-A641-1DBB0B5F92F5}" srcId="{ECA2FD51-7FE8-4BE0-8433-46CBDF243CD8}" destId="{2EFCE5A3-8204-4F15-A26E-9646CEF742CC}" srcOrd="0" destOrd="0" parTransId="{1D17F51C-1A4B-4B20-82A1-B36F31417DF2}" sibTransId="{84C87099-B5A7-47F4-A4A2-B7B25D12B5C0}"/>
     <dgm:cxn modelId="{720FD67E-72F6-42B1-89F5-E9C378ED9EE9}" srcId="{AE5B3D69-0D96-494F-972E-1AC21853FF82}" destId="{E3C648DA-7A87-4FCE-9DDC-CEB7F26CA0CA}" srcOrd="0" destOrd="0" parTransId="{3BE9C030-F886-40A9-B3D2-72FC1C83990C}" sibTransId="{3A8F3E22-8F3E-4A74-B5DE-901C8AF89486}"/>
     <dgm:cxn modelId="{A2F3D013-5FE5-4BEB-B9CF-D0295D144C92}" srcId="{C2AE18A3-D8E7-4693-A3F1-E969700486B0}" destId="{AE5B3D69-0D96-494F-972E-1AC21853FF82}" srcOrd="2" destOrd="0" parTransId="{DA254A87-64AD-43EA-97EE-882D32222DF8}" sibTransId="{2783935F-DB45-4C2E-8FE1-A8C7781EF016}"/>
+    <dgm:cxn modelId="{F41D90A2-8D9A-400E-8779-8886EA2E0193}" type="presOf" srcId="{E3C648DA-7A87-4FCE-9DDC-CEB7F26CA0CA}" destId="{8A7A4706-C02B-42A5-B2D9-57E5AA16EA99}" srcOrd="0" destOrd="0" presId="urn:microsoft.com/office/officeart/2005/8/layout/vList2"/>
     <dgm:cxn modelId="{60F0DD5E-242D-4A50-981F-E5CD03A233C9}" type="presOf" srcId="{5A25F9B1-8013-40E6-B86C-8B1A27EC78F7}" destId="{109DB9B2-1B7B-45F8-B78F-39A761CE5935}" srcOrd="0" destOrd="0" presId="urn:microsoft.com/office/officeart/2005/8/layout/vList2"/>
-    <dgm:cxn modelId="{F41D90A2-8D9A-400E-8779-8886EA2E0193}" type="presOf" srcId="{E3C648DA-7A87-4FCE-9DDC-CEB7F26CA0CA}" destId="{8A7A4706-C02B-42A5-B2D9-57E5AA16EA99}" srcOrd="0" destOrd="0" presId="urn:microsoft.com/office/officeart/2005/8/layout/vList2"/>
     <dgm:cxn modelId="{C6113560-0E88-4F08-80AB-BC2FE5FE3C04}" type="presOf" srcId="{7B373090-CDC3-4844-B3FF-AD9E7C3E0E8D}" destId="{052EF2B2-70C1-45C3-BA07-4AC3C91F30B6}" srcOrd="0" destOrd="1" presId="urn:microsoft.com/office/officeart/2005/8/layout/vList2"/>
     <dgm:cxn modelId="{C7144BB6-F83B-410F-9A2E-C7AA03512179}" type="presOf" srcId="{9C499C1B-DAD1-4209-BFD3-89FAD82A2084}" destId="{052EF2B2-70C1-45C3-BA07-4AC3C91F30B6}" srcOrd="0" destOrd="0" presId="urn:microsoft.com/office/officeart/2005/8/layout/vList2"/>
     <dgm:cxn modelId="{42E7785A-0600-4551-A1E8-795EB0ECA1B3}" type="presOf" srcId="{ECA2FD51-7FE8-4BE0-8433-46CBDF243CD8}" destId="{3C4DDB0E-5C02-4E48-AA2E-447B80E40FAA}" srcOrd="0" destOrd="0" presId="urn:microsoft.com/office/officeart/2005/8/layout/vList2"/>
@@ -4151,6 +4170,13 @@
         </dgm:presLayoutVars>
       </dgm:prSet>
       <dgm:spPr/>
+      <dgm:t>
+        <a:bodyPr/>
+        <a:lstStyle/>
+        <a:p>
+          <a:endParaRPr lang="en-US"/>
+        </a:p>
+      </dgm:t>
     </dgm:pt>
     <dgm:pt modelId="{6227570D-5313-4E7B-83FE-0048578DD2BF}" type="pres">
       <dgm:prSet presAssocID="{1EE7F45B-2319-4DF9-BFF1-0E498C8ADC75}" presName="linNode" presStyleCnt="0"/>
@@ -4211,6 +4237,13 @@
         </dgm:presLayoutVars>
       </dgm:prSet>
       <dgm:spPr/>
+      <dgm:t>
+        <a:bodyPr/>
+        <a:lstStyle/>
+        <a:p>
+          <a:endParaRPr lang="en-US"/>
+        </a:p>
+      </dgm:t>
     </dgm:pt>
     <dgm:pt modelId="{1F57ABA7-81AD-44D4-B362-17318FEEF168}" type="pres">
       <dgm:prSet presAssocID="{10FD33F4-E138-4C97-BB0B-DADF30268D4B}" presName="bracket" presStyleLbl="parChTrans1D1" presStyleIdx="1" presStyleCnt="3"/>
@@ -4227,6 +4260,13 @@
         </dgm:presLayoutVars>
       </dgm:prSet>
       <dgm:spPr/>
+      <dgm:t>
+        <a:bodyPr/>
+        <a:lstStyle/>
+        <a:p>
+          <a:endParaRPr lang="en-US"/>
+        </a:p>
+      </dgm:t>
     </dgm:pt>
     <dgm:pt modelId="{61862B74-CAB4-4898-AD0C-FB5919198CCF}" type="pres">
       <dgm:prSet presAssocID="{EACE69F3-9E64-4EF0-8163-39ADC5C0188C}" presName="spV" presStyleCnt="0"/>
@@ -4267,6 +4307,13 @@
         </dgm:presLayoutVars>
       </dgm:prSet>
       <dgm:spPr/>
+      <dgm:t>
+        <a:bodyPr/>
+        <a:lstStyle/>
+        <a:p>
+          <a:endParaRPr lang="en-US"/>
+        </a:p>
+      </dgm:t>
     </dgm:pt>
   </dgm:ptLst>
   <dgm:cxnLst>
@@ -4460,10 +4507,24 @@
     <dgm:pt modelId="{A311DD17-5A65-48C5-BEE0-299BD3B1C656}" type="pres">
       <dgm:prSet presAssocID="{3A3282A3-5676-4C31-8B36-2FA5E4CD0F8A}" presName="sibTrans" presStyleLbl="sibTrans2D1" presStyleIdx="0" presStyleCnt="2"/>
       <dgm:spPr/>
+      <dgm:t>
+        <a:bodyPr/>
+        <a:lstStyle/>
+        <a:p>
+          <a:endParaRPr lang="en-US"/>
+        </a:p>
+      </dgm:t>
     </dgm:pt>
     <dgm:pt modelId="{A928F6C7-2232-4CD9-9403-5E948E023C5A}" type="pres">
       <dgm:prSet presAssocID="{3A3282A3-5676-4C31-8B36-2FA5E4CD0F8A}" presName="connectorText" presStyleLbl="sibTrans2D1" presStyleIdx="0" presStyleCnt="2"/>
       <dgm:spPr/>
+      <dgm:t>
+        <a:bodyPr/>
+        <a:lstStyle/>
+        <a:p>
+          <a:endParaRPr lang="en-US"/>
+        </a:p>
+      </dgm:t>
     </dgm:pt>
     <dgm:pt modelId="{F2AC4F7C-E7B2-4D06-95B0-9A45130E897A}" type="pres">
       <dgm:prSet presAssocID="{D567847B-09A9-45D6-88E7-89FD85A4AC01}" presName="node" presStyleLbl="node1" presStyleIdx="1" presStyleCnt="3">
@@ -4483,10 +4544,24 @@
     <dgm:pt modelId="{2AE005BF-846F-42AC-9D72-B333C0B9AC71}" type="pres">
       <dgm:prSet presAssocID="{06885335-A11E-4FF3-86C8-804D77A092FF}" presName="sibTrans" presStyleLbl="sibTrans2D1" presStyleIdx="1" presStyleCnt="2"/>
       <dgm:spPr/>
+      <dgm:t>
+        <a:bodyPr/>
+        <a:lstStyle/>
+        <a:p>
+          <a:endParaRPr lang="en-US"/>
+        </a:p>
+      </dgm:t>
     </dgm:pt>
     <dgm:pt modelId="{18552865-7369-455B-80D0-6EF004D4024E}" type="pres">
       <dgm:prSet presAssocID="{06885335-A11E-4FF3-86C8-804D77A092FF}" presName="connectorText" presStyleLbl="sibTrans2D1" presStyleIdx="1" presStyleCnt="2"/>
       <dgm:spPr/>
+      <dgm:t>
+        <a:bodyPr/>
+        <a:lstStyle/>
+        <a:p>
+          <a:endParaRPr lang="en-US"/>
+        </a:p>
+      </dgm:t>
     </dgm:pt>
     <dgm:pt modelId="{855C2265-6DA4-464F-84C5-4AEF30143C52}" type="pres">
       <dgm:prSet presAssocID="{F2FDD5EE-81D5-4158-81E8-6DACF2DFB075}" presName="node" presStyleLbl="node1" presStyleIdx="2" presStyleCnt="3">
@@ -4505,17 +4580,17 @@
     </dgm:pt>
   </dgm:ptLst>
   <dgm:cxnLst>
-    <dgm:cxn modelId="{E48BB4CC-7ABD-4488-92E8-F442F324BBFC}" type="presOf" srcId="{3A3282A3-5676-4C31-8B36-2FA5E4CD0F8A}" destId="{A928F6C7-2232-4CD9-9403-5E948E023C5A}" srcOrd="1" destOrd="0" presId="urn:microsoft.com/office/officeart/2005/8/layout/process1"/>
-    <dgm:cxn modelId="{C926E86C-62AC-4880-BDC4-962FB1DF71F3}" type="presOf" srcId="{D567847B-09A9-45D6-88E7-89FD85A4AC01}" destId="{F2AC4F7C-E7B2-4D06-95B0-9A45130E897A}" srcOrd="0" destOrd="0" presId="urn:microsoft.com/office/officeart/2005/8/layout/process1"/>
+    <dgm:cxn modelId="{C96245C3-559B-4EFF-9A0C-1CD071DB3E35}" type="presOf" srcId="{C0B1D04C-FB9F-442E-B9C1-6474D399A700}" destId="{5F85AAF0-427A-4AFF-9592-650987D29A05}" srcOrd="0" destOrd="0" presId="urn:microsoft.com/office/officeart/2005/8/layout/process1"/>
     <dgm:cxn modelId="{EF7E0A64-FB24-4E67-BC6C-4E5CF212FB33}" type="presOf" srcId="{06885335-A11E-4FF3-86C8-804D77A092FF}" destId="{18552865-7369-455B-80D0-6EF004D4024E}" srcOrd="1" destOrd="0" presId="urn:microsoft.com/office/officeart/2005/8/layout/process1"/>
+    <dgm:cxn modelId="{7773D2E5-D755-4D4B-8D63-65250C061493}" type="presOf" srcId="{41BF2567-8450-423E-BA30-2E3D64F5B205}" destId="{3A1E1C43-BF62-496E-A554-5FEEC8A98396}" srcOrd="0" destOrd="0" presId="urn:microsoft.com/office/officeart/2005/8/layout/process1"/>
+    <dgm:cxn modelId="{4380834F-7695-499C-8B55-66CAD8903C71}" srcId="{41BF2567-8450-423E-BA30-2E3D64F5B205}" destId="{C0B1D04C-FB9F-442E-B9C1-6474D399A700}" srcOrd="0" destOrd="0" parTransId="{28B622CB-388F-4FFB-80E4-82151251C0EF}" sibTransId="{3A3282A3-5676-4C31-8B36-2FA5E4CD0F8A}"/>
     <dgm:cxn modelId="{84FC3148-1CFA-4A2F-828B-86D23A0EB9F1}" type="presOf" srcId="{3A3282A3-5676-4C31-8B36-2FA5E4CD0F8A}" destId="{A311DD17-5A65-48C5-BEE0-299BD3B1C656}" srcOrd="0" destOrd="0" presId="urn:microsoft.com/office/officeart/2005/8/layout/process1"/>
-    <dgm:cxn modelId="{F857E6E9-B7C0-4275-B51B-6C1183B2DAFB}" type="presOf" srcId="{F2FDD5EE-81D5-4158-81E8-6DACF2DFB075}" destId="{855C2265-6DA4-464F-84C5-4AEF30143C52}" srcOrd="0" destOrd="0" presId="urn:microsoft.com/office/officeart/2005/8/layout/process1"/>
-    <dgm:cxn modelId="{4380834F-7695-499C-8B55-66CAD8903C71}" srcId="{41BF2567-8450-423E-BA30-2E3D64F5B205}" destId="{C0B1D04C-FB9F-442E-B9C1-6474D399A700}" srcOrd="0" destOrd="0" parTransId="{28B622CB-388F-4FFB-80E4-82151251C0EF}" sibTransId="{3A3282A3-5676-4C31-8B36-2FA5E4CD0F8A}"/>
     <dgm:cxn modelId="{A09349D2-8662-48B8-8A67-A1A57D3F658F}" srcId="{41BF2567-8450-423E-BA30-2E3D64F5B205}" destId="{D567847B-09A9-45D6-88E7-89FD85A4AC01}" srcOrd="1" destOrd="0" parTransId="{D3507E26-9FF0-4E4E-8108-1071AE8CA34D}" sibTransId="{06885335-A11E-4FF3-86C8-804D77A092FF}"/>
     <dgm:cxn modelId="{00EC2F47-4052-480C-BB41-A890AA93D950}" type="presOf" srcId="{06885335-A11E-4FF3-86C8-804D77A092FF}" destId="{2AE005BF-846F-42AC-9D72-B333C0B9AC71}" srcOrd="0" destOrd="0" presId="urn:microsoft.com/office/officeart/2005/8/layout/process1"/>
-    <dgm:cxn modelId="{7773D2E5-D755-4D4B-8D63-65250C061493}" type="presOf" srcId="{41BF2567-8450-423E-BA30-2E3D64F5B205}" destId="{3A1E1C43-BF62-496E-A554-5FEEC8A98396}" srcOrd="0" destOrd="0" presId="urn:microsoft.com/office/officeart/2005/8/layout/process1"/>
-    <dgm:cxn modelId="{C96245C3-559B-4EFF-9A0C-1CD071DB3E35}" type="presOf" srcId="{C0B1D04C-FB9F-442E-B9C1-6474D399A700}" destId="{5F85AAF0-427A-4AFF-9592-650987D29A05}" srcOrd="0" destOrd="0" presId="urn:microsoft.com/office/officeart/2005/8/layout/process1"/>
     <dgm:cxn modelId="{C100983C-33D6-46A0-AE43-98C794965C60}" srcId="{41BF2567-8450-423E-BA30-2E3D64F5B205}" destId="{F2FDD5EE-81D5-4158-81E8-6DACF2DFB075}" srcOrd="2" destOrd="0" parTransId="{6434D2F9-680B-4BD5-B94A-D85259CC4C41}" sibTransId="{578280D7-A390-4CD8-B0A6-C503EB05FFE6}"/>
+    <dgm:cxn modelId="{F857E6E9-B7C0-4275-B51B-6C1183B2DAFB}" type="presOf" srcId="{F2FDD5EE-81D5-4158-81E8-6DACF2DFB075}" destId="{855C2265-6DA4-464F-84C5-4AEF30143C52}" srcOrd="0" destOrd="0" presId="urn:microsoft.com/office/officeart/2005/8/layout/process1"/>
+    <dgm:cxn modelId="{C926E86C-62AC-4880-BDC4-962FB1DF71F3}" type="presOf" srcId="{D567847B-09A9-45D6-88E7-89FD85A4AC01}" destId="{F2AC4F7C-E7B2-4D06-95B0-9A45130E897A}" srcOrd="0" destOrd="0" presId="urn:microsoft.com/office/officeart/2005/8/layout/process1"/>
+    <dgm:cxn modelId="{E48BB4CC-7ABD-4488-92E8-F442F324BBFC}" type="presOf" srcId="{3A3282A3-5676-4C31-8B36-2FA5E4CD0F8A}" destId="{A928F6C7-2232-4CD9-9403-5E948E023C5A}" srcOrd="1" destOrd="0" presId="urn:microsoft.com/office/officeart/2005/8/layout/process1"/>
     <dgm:cxn modelId="{59587034-AF91-4F9B-A9F6-082D991D8DFA}" type="presParOf" srcId="{3A1E1C43-BF62-496E-A554-5FEEC8A98396}" destId="{5F85AAF0-427A-4AFF-9592-650987D29A05}" srcOrd="0" destOrd="0" presId="urn:microsoft.com/office/officeart/2005/8/layout/process1"/>
     <dgm:cxn modelId="{BFB03650-7040-47C8-BF52-530B5A39E9FB}" type="presParOf" srcId="{3A1E1C43-BF62-496E-A554-5FEEC8A98396}" destId="{A311DD17-5A65-48C5-BEE0-299BD3B1C656}" srcOrd="1" destOrd="0" presId="urn:microsoft.com/office/officeart/2005/8/layout/process1"/>
     <dgm:cxn modelId="{8BD11BD7-273E-4CE0-B9F0-86D0237023DA}" type="presParOf" srcId="{A311DD17-5A65-48C5-BEE0-299BD3B1C656}" destId="{A928F6C7-2232-4CD9-9403-5E948E023C5A}" srcOrd="0" destOrd="0" presId="urn:microsoft.com/office/officeart/2005/8/layout/process1"/>
@@ -4807,6 +4882,13 @@
         </dgm:presLayoutVars>
       </dgm:prSet>
       <dgm:spPr/>
+      <dgm:t>
+        <a:bodyPr/>
+        <a:lstStyle/>
+        <a:p>
+          <a:endParaRPr lang="en-US"/>
+        </a:p>
+      </dgm:t>
     </dgm:pt>
     <dgm:pt modelId="{91FC2573-0690-4D64-8D2D-3CC8608A2353}" type="pres">
       <dgm:prSet presAssocID="{9A698092-8416-4AF1-B205-0F4F6136C86B}" presName="parentText" presStyleLbl="node1" presStyleIdx="0" presStyleCnt="3">
@@ -4866,13 +4948,13 @@
     </dgm:pt>
   </dgm:ptLst>
   <dgm:cxnLst>
-    <dgm:cxn modelId="{3248CEA8-7BB2-459A-AB86-2972F191D66D}" srcId="{192BE6E1-F451-46CB-8151-14BB07795277}" destId="{2379A15F-F81B-4325-9B59-B074DD9154A0}" srcOrd="2" destOrd="0" parTransId="{E3A40257-F823-481A-92D2-29E9CF34D089}" sibTransId="{2C589860-1D17-4646-BC1E-2A4BEFE77618}"/>
     <dgm:cxn modelId="{E50A55EC-8E18-4BDD-8E56-0ECF37BC3A82}" srcId="{192BE6E1-F451-46CB-8151-14BB07795277}" destId="{9A698092-8416-4AF1-B205-0F4F6136C86B}" srcOrd="0" destOrd="0" parTransId="{D457E7DC-274C-492A-9E08-095F455DBA80}" sibTransId="{83CFAA45-82F4-46F6-A67A-4E1F26369581}"/>
     <dgm:cxn modelId="{5579922E-CF02-4D94-A09F-3DCC36DBDBEE}" type="presOf" srcId="{F49DFA09-1B2D-473E-AA72-2A6AE2DD7F02}" destId="{C7C9423B-06FA-4A96-B04A-71B7E4B8DC50}" srcOrd="0" destOrd="0" presId="urn:microsoft.com/office/officeart/2005/8/layout/vList2"/>
-    <dgm:cxn modelId="{A7CB0567-7C5A-4AFE-AD03-F3829472B554}" type="presOf" srcId="{192BE6E1-F451-46CB-8151-14BB07795277}" destId="{C8EA7CD6-E9D6-4BF1-B1E8-6AF2A6150FFC}" srcOrd="0" destOrd="0" presId="urn:microsoft.com/office/officeart/2005/8/layout/vList2"/>
-    <dgm:cxn modelId="{D90BEEDD-50BF-4C54-B779-D0B9A93708C2}" srcId="{192BE6E1-F451-46CB-8151-14BB07795277}" destId="{F49DFA09-1B2D-473E-AA72-2A6AE2DD7F02}" srcOrd="1" destOrd="0" parTransId="{7FBB7B93-63D4-4C9F-99E3-3FBA81604EE9}" sibTransId="{C2D431BD-C9E7-4323-B38A-C91F84DA1AA1}"/>
     <dgm:cxn modelId="{FBA7AC21-441B-45B4-B306-01408C160D64}" type="presOf" srcId="{2379A15F-F81B-4325-9B59-B074DD9154A0}" destId="{57B8586A-6245-43EB-A226-0BB69F2234FE}" srcOrd="0" destOrd="0" presId="urn:microsoft.com/office/officeart/2005/8/layout/vList2"/>
     <dgm:cxn modelId="{0FD66889-7DE4-49E4-9EC6-5B987472C182}" type="presOf" srcId="{9A698092-8416-4AF1-B205-0F4F6136C86B}" destId="{91FC2573-0690-4D64-8D2D-3CC8608A2353}" srcOrd="0" destOrd="0" presId="urn:microsoft.com/office/officeart/2005/8/layout/vList2"/>
+    <dgm:cxn modelId="{D90BEEDD-50BF-4C54-B779-D0B9A93708C2}" srcId="{192BE6E1-F451-46CB-8151-14BB07795277}" destId="{F49DFA09-1B2D-473E-AA72-2A6AE2DD7F02}" srcOrd="1" destOrd="0" parTransId="{7FBB7B93-63D4-4C9F-99E3-3FBA81604EE9}" sibTransId="{C2D431BD-C9E7-4323-B38A-C91F84DA1AA1}"/>
+    <dgm:cxn modelId="{3248CEA8-7BB2-459A-AB86-2972F191D66D}" srcId="{192BE6E1-F451-46CB-8151-14BB07795277}" destId="{2379A15F-F81B-4325-9B59-B074DD9154A0}" srcOrd="2" destOrd="0" parTransId="{E3A40257-F823-481A-92D2-29E9CF34D089}" sibTransId="{2C589860-1D17-4646-BC1E-2A4BEFE77618}"/>
+    <dgm:cxn modelId="{A7CB0567-7C5A-4AFE-AD03-F3829472B554}" type="presOf" srcId="{192BE6E1-F451-46CB-8151-14BB07795277}" destId="{C8EA7CD6-E9D6-4BF1-B1E8-6AF2A6150FFC}" srcOrd="0" destOrd="0" presId="urn:microsoft.com/office/officeart/2005/8/layout/vList2"/>
     <dgm:cxn modelId="{F2337898-530F-4993-B08A-ACA086C41DED}" type="presParOf" srcId="{C8EA7CD6-E9D6-4BF1-B1E8-6AF2A6150FFC}" destId="{91FC2573-0690-4D64-8D2D-3CC8608A2353}" srcOrd="0" destOrd="0" presId="urn:microsoft.com/office/officeart/2005/8/layout/vList2"/>
     <dgm:cxn modelId="{1CA56A81-2CF1-4EE8-B731-B3D526459CCB}" type="presParOf" srcId="{C8EA7CD6-E9D6-4BF1-B1E8-6AF2A6150FFC}" destId="{AC859DAA-8CF8-45AC-9CF7-FB182AFB65BB}" srcOrd="1" destOrd="0" presId="urn:microsoft.com/office/officeart/2005/8/layout/vList2"/>
     <dgm:cxn modelId="{A27C748E-4C57-4302-8E2C-9EB8EFC74E29}" type="presParOf" srcId="{C8EA7CD6-E9D6-4BF1-B1E8-6AF2A6150FFC}" destId="{C7C9423B-06FA-4A96-B04A-71B7E4B8DC50}" srcOrd="2" destOrd="0" presId="urn:microsoft.com/office/officeart/2005/8/layout/vList2"/>
@@ -12060,7 +12142,7 @@
           <a:p>
             <a:fld id="{6A1F9826-7CEF-4A14-91BE-5EB253C916CF}" type="datetimeFigureOut">
               <a:rPr lang="en-US" smtClean="0"/>
-              <a:t>1/17/2026</a:t>
+              <a:t>1/19/2026</a:t>
             </a:fld>
             <a:endParaRPr lang="en-US"/>
           </a:p>
@@ -13211,7 +13293,7 @@
           <a:p>
             <a:fld id="{0F4547FE-E48B-4AFD-B9C5-706EB0FD8692}" type="datetimeFigureOut">
               <a:rPr lang="en-US" smtClean="0"/>
-              <a:t>1/17/2026</a:t>
+              <a:t>1/19/2026</a:t>
             </a:fld>
             <a:endParaRPr lang="en-US"/>
           </a:p>
@@ -13381,7 +13463,7 @@
           <a:p>
             <a:fld id="{0F4547FE-E48B-4AFD-B9C5-706EB0FD8692}" type="datetimeFigureOut">
               <a:rPr lang="en-US" smtClean="0"/>
-              <a:t>1/17/2026</a:t>
+              <a:t>1/19/2026</a:t>
             </a:fld>
             <a:endParaRPr lang="en-US"/>
           </a:p>
@@ -13561,7 +13643,7 @@
           <a:p>
             <a:fld id="{0F4547FE-E48B-4AFD-B9C5-706EB0FD8692}" type="datetimeFigureOut">
               <a:rPr lang="en-US" smtClean="0"/>
-              <a:t>1/17/2026</a:t>
+              <a:t>1/19/2026</a:t>
             </a:fld>
             <a:endParaRPr lang="en-US"/>
           </a:p>
@@ -13731,7 +13813,7 @@
           <a:p>
             <a:fld id="{0F4547FE-E48B-4AFD-B9C5-706EB0FD8692}" type="datetimeFigureOut">
               <a:rPr lang="en-US" smtClean="0"/>
-              <a:t>1/17/2026</a:t>
+              <a:t>1/19/2026</a:t>
             </a:fld>
             <a:endParaRPr lang="en-US"/>
           </a:p>
@@ -13977,7 +14059,7 @@
           <a:p>
             <a:fld id="{0F4547FE-E48B-4AFD-B9C5-706EB0FD8692}" type="datetimeFigureOut">
               <a:rPr lang="en-US" smtClean="0"/>
-              <a:t>1/17/2026</a:t>
+              <a:t>1/19/2026</a:t>
             </a:fld>
             <a:endParaRPr lang="en-US"/>
           </a:p>
@@ -14209,7 +14291,7 @@
           <a:p>
             <a:fld id="{0F4547FE-E48B-4AFD-B9C5-706EB0FD8692}" type="datetimeFigureOut">
               <a:rPr lang="en-US" smtClean="0"/>
-              <a:t>1/17/2026</a:t>
+              <a:t>1/19/2026</a:t>
             </a:fld>
             <a:endParaRPr lang="en-US"/>
           </a:p>
@@ -14576,7 +14658,7 @@
           <a:p>
             <a:fld id="{0F4547FE-E48B-4AFD-B9C5-706EB0FD8692}" type="datetimeFigureOut">
               <a:rPr lang="en-US" smtClean="0"/>
-              <a:t>1/17/2026</a:t>
+              <a:t>1/19/2026</a:t>
             </a:fld>
             <a:endParaRPr lang="en-US"/>
           </a:p>
@@ -14694,7 +14776,7 @@
           <a:p>
             <a:fld id="{0F4547FE-E48B-4AFD-B9C5-706EB0FD8692}" type="datetimeFigureOut">
               <a:rPr lang="en-US" smtClean="0"/>
-              <a:t>1/17/2026</a:t>
+              <a:t>1/19/2026</a:t>
             </a:fld>
             <a:endParaRPr lang="en-US"/>
           </a:p>
@@ -14789,7 +14871,7 @@
           <a:p>
             <a:fld id="{0F4547FE-E48B-4AFD-B9C5-706EB0FD8692}" type="datetimeFigureOut">
               <a:rPr lang="en-US" smtClean="0"/>
-              <a:t>1/17/2026</a:t>
+              <a:t>1/19/2026</a:t>
             </a:fld>
             <a:endParaRPr lang="en-US"/>
           </a:p>
@@ -15066,7 +15148,7 @@
           <a:p>
             <a:fld id="{0F4547FE-E48B-4AFD-B9C5-706EB0FD8692}" type="datetimeFigureOut">
               <a:rPr lang="en-US" smtClean="0"/>
-              <a:t>1/17/2026</a:t>
+              <a:t>1/19/2026</a:t>
             </a:fld>
             <a:endParaRPr lang="en-US"/>
           </a:p>
@@ -15319,7 +15401,7 @@
           <a:p>
             <a:fld id="{0F4547FE-E48B-4AFD-B9C5-706EB0FD8692}" type="datetimeFigureOut">
               <a:rPr lang="en-US" smtClean="0"/>
-              <a:t>1/17/2026</a:t>
+              <a:t>1/19/2026</a:t>
             </a:fld>
             <a:endParaRPr lang="en-US"/>
           </a:p>
@@ -15541,7 +15623,7 @@
           <a:p>
             <a:fld id="{0F4547FE-E48B-4AFD-B9C5-706EB0FD8692}" type="datetimeFigureOut">
               <a:rPr lang="en-US" smtClean="0"/>
-              <a:t>1/17/2026</a:t>
+              <a:t>1/19/2026</a:t>
             </a:fld>
             <a:endParaRPr lang="en-US"/>
           </a:p>
